--- a/supportDocument.pptx
+++ b/supportDocument.pptx
@@ -10608,10 +10608,10 @@
           </a:bodyPr>
           <a:p>
             <a:r>
-              <a:rPr lang="" altLang="en-US" sz="2800"/>
+              <a:rPr lang="en-US" altLang="en-US" sz="2800"/>
               <a:t>NOTE</a:t>
             </a:r>
-            <a:endParaRPr lang="" altLang="en-US" sz="2800"/>
+            <a:endParaRPr lang="en-US" altLang="en-US" sz="2800"/>
           </a:p>
         </p:txBody>
       </p:sp>
@@ -10676,19 +10676,7 @@
               <a:rPr lang="en-US" altLang="en-US" dirty="0">
                 <a:sym typeface="+mn-ea"/>
               </a:rPr>
-              <a:t>This pdf is </a:t>
-            </a:r>
-            <a:r>
-              <a:rPr lang="" altLang="en-US" dirty="0">
-                <a:sym typeface="+mn-ea"/>
-              </a:rPr>
-              <a:t>not expained to </a:t>
-            </a:r>
-            <a:r>
-              <a:rPr lang="en-US" altLang="en-US" dirty="0">
-                <a:sym typeface="+mn-ea"/>
-              </a:rPr>
-              <a:t> procedure of install or build.</a:t>
+              <a:t>This pdf is not expained to  procedure of install or build.</a:t>
             </a:r>
             <a:endParaRPr lang="en-US" altLang="en-US" dirty="0">
               <a:sym typeface="+mn-ea"/>
@@ -11014,19 +11002,7 @@
               <a:rPr lang="en-US" altLang="en-US" sz="1600" dirty="0">
                 <a:sym typeface="+mn-ea"/>
               </a:rPr>
-              <a:t>Figure1  show </a:t>
-            </a:r>
-            <a:r>
-              <a:rPr lang="" altLang="en-US" sz="1600" dirty="0">
-                <a:sym typeface="+mn-ea"/>
-              </a:rPr>
-              <a:t>you </a:t>
-            </a:r>
-            <a:r>
-              <a:rPr lang="en-US" altLang="en-US" sz="1600" dirty="0">
-                <a:sym typeface="+mn-ea"/>
-              </a:rPr>
-              <a:t>installing from source.  (fossology / sw360) </a:t>
+              <a:t>Figure1  show you installing from source.  (fossology / sw360) </a:t>
             </a:r>
             <a:endParaRPr lang="en-US" altLang="en-US" sz="1600" dirty="0">
               <a:sym typeface="+mn-ea"/>
